--- a/_zapret.pptx
+++ b/_zapret.pptx
@@ -104,6 +104,11 @@
       </a:defRPr>
     </a:lvl9pPr>
   </p:defaultTextStyle>
+  <p:extLst>
+    <p:ext uri="{EFAFB233-063F-42B5-8137-9DF3F51BA10A}">
+      <p15:sldGuideLst xmlns:p15="http://schemas.microsoft.com/office/powerpoint/2012/main"/>
+    </p:ext>
+  </p:extLst>
 </p:presentation>
 </file>
 
@@ -256,7 +261,7 @@
           <a:p>
             <a:fld id="{9F58CDD0-BE74-468D-B734-43E300BAFBEB}" type="datetimeFigureOut">
               <a:rPr lang="en-US" smtClean="0"/>
-              <a:t>4/25/2025</a:t>
+              <a:t>5/4/2025</a:t>
             </a:fld>
             <a:endParaRPr lang="en-US"/>
           </a:p>
@@ -456,7 +461,7 @@
           <a:p>
             <a:fld id="{9F58CDD0-BE74-468D-B734-43E300BAFBEB}" type="datetimeFigureOut">
               <a:rPr lang="en-US" smtClean="0"/>
-              <a:t>4/25/2025</a:t>
+              <a:t>5/4/2025</a:t>
             </a:fld>
             <a:endParaRPr lang="en-US"/>
           </a:p>
@@ -666,7 +671,7 @@
           <a:p>
             <a:fld id="{9F58CDD0-BE74-468D-B734-43E300BAFBEB}" type="datetimeFigureOut">
               <a:rPr lang="en-US" smtClean="0"/>
-              <a:t>4/25/2025</a:t>
+              <a:t>5/4/2025</a:t>
             </a:fld>
             <a:endParaRPr lang="en-US"/>
           </a:p>
@@ -866,7 +871,7 @@
           <a:p>
             <a:fld id="{9F58CDD0-BE74-468D-B734-43E300BAFBEB}" type="datetimeFigureOut">
               <a:rPr lang="en-US" smtClean="0"/>
-              <a:t>4/25/2025</a:t>
+              <a:t>5/4/2025</a:t>
             </a:fld>
             <a:endParaRPr lang="en-US"/>
           </a:p>
@@ -1142,7 +1147,7 @@
           <a:p>
             <a:fld id="{9F58CDD0-BE74-468D-B734-43E300BAFBEB}" type="datetimeFigureOut">
               <a:rPr lang="en-US" smtClean="0"/>
-              <a:t>4/25/2025</a:t>
+              <a:t>5/4/2025</a:t>
             </a:fld>
             <a:endParaRPr lang="en-US"/>
           </a:p>
@@ -1410,7 +1415,7 @@
           <a:p>
             <a:fld id="{9F58CDD0-BE74-468D-B734-43E300BAFBEB}" type="datetimeFigureOut">
               <a:rPr lang="en-US" smtClean="0"/>
-              <a:t>4/25/2025</a:t>
+              <a:t>5/4/2025</a:t>
             </a:fld>
             <a:endParaRPr lang="en-US"/>
           </a:p>
@@ -1825,7 +1830,7 @@
           <a:p>
             <a:fld id="{9F58CDD0-BE74-468D-B734-43E300BAFBEB}" type="datetimeFigureOut">
               <a:rPr lang="en-US" smtClean="0"/>
-              <a:t>4/25/2025</a:t>
+              <a:t>5/4/2025</a:t>
             </a:fld>
             <a:endParaRPr lang="en-US"/>
           </a:p>
@@ -1967,7 +1972,7 @@
           <a:p>
             <a:fld id="{9F58CDD0-BE74-468D-B734-43E300BAFBEB}" type="datetimeFigureOut">
               <a:rPr lang="en-US" smtClean="0"/>
-              <a:t>4/25/2025</a:t>
+              <a:t>5/4/2025</a:t>
             </a:fld>
             <a:endParaRPr lang="en-US"/>
           </a:p>
@@ -2080,7 +2085,7 @@
           <a:p>
             <a:fld id="{9F58CDD0-BE74-468D-B734-43E300BAFBEB}" type="datetimeFigureOut">
               <a:rPr lang="en-US" smtClean="0"/>
-              <a:t>4/25/2025</a:t>
+              <a:t>5/4/2025</a:t>
             </a:fld>
             <a:endParaRPr lang="en-US"/>
           </a:p>
@@ -2393,7 +2398,7 @@
           <a:p>
             <a:fld id="{9F58CDD0-BE74-468D-B734-43E300BAFBEB}" type="datetimeFigureOut">
               <a:rPr lang="en-US" smtClean="0"/>
-              <a:t>4/25/2025</a:t>
+              <a:t>5/4/2025</a:t>
             </a:fld>
             <a:endParaRPr lang="en-US"/>
           </a:p>
@@ -2682,7 +2687,7 @@
           <a:p>
             <a:fld id="{9F58CDD0-BE74-468D-B734-43E300BAFBEB}" type="datetimeFigureOut">
               <a:rPr lang="en-US" smtClean="0"/>
-              <a:t>4/25/2025</a:t>
+              <a:t>5/4/2025</a:t>
             </a:fld>
             <a:endParaRPr lang="en-US"/>
           </a:p>
@@ -2925,7 +2930,7 @@
           <a:p>
             <a:fld id="{9F58CDD0-BE74-468D-B734-43E300BAFBEB}" type="datetimeFigureOut">
               <a:rPr lang="en-US" smtClean="0"/>
-              <a:t>4/25/2025</a:t>
+              <a:t>5/4/2025</a:t>
             </a:fld>
             <a:endParaRPr lang="en-US"/>
           </a:p>
@@ -3344,10 +3349,10 @@
       </p:grpSpPr>
       <p:pic>
         <p:nvPicPr>
-          <p:cNvPr id="4" name="Рисунок 3">
-            <a:extLst>
-              <a:ext uri="{FF2B5EF4-FFF2-40B4-BE49-F238E27FC236}">
-                <a16:creationId xmlns:a16="http://schemas.microsoft.com/office/drawing/2014/main" id="{686DB19A-CD2F-4C32-9A4B-290886CC842A}"/>
+          <p:cNvPr id="8" name="Рисунок 7">
+            <a:extLst>
+              <a:ext uri="{FF2B5EF4-FFF2-40B4-BE49-F238E27FC236}">
+                <a16:creationId xmlns:a16="http://schemas.microsoft.com/office/drawing/2014/main" id="{D3F2DACD-746F-4290-8060-CF10CAFED059}"/>
               </a:ext>
             </a:extLst>
           </p:cNvPr>
@@ -3357,85 +3362,24 @@
           <p:nvPr/>
         </p:nvPicPr>
         <p:blipFill>
-          <a:blip r:embed="rId2"/>
+          <a:blip r:embed="rId2">
+            <a:duotone>
+              <a:prstClr val="black"/>
+              <a:schemeClr val="accent5">
+                <a:lumMod val="75000"/>
+                <a:tint val="45000"/>
+                <a:satMod val="400000"/>
+              </a:schemeClr>
+            </a:duotone>
+          </a:blip>
           <a:stretch>
             <a:fillRect/>
           </a:stretch>
         </p:blipFill>
         <p:spPr>
           <a:xfrm>
-            <a:off x="8454" y="0"/>
-            <a:ext cx="12183545" cy="6858000"/>
-          </a:xfrm>
-          <a:prstGeom prst="rect">
-            <a:avLst/>
-          </a:prstGeom>
-        </p:spPr>
-      </p:pic>
-      <p:sp>
-        <p:nvSpPr>
-          <p:cNvPr id="6" name="TextBox 5">
-            <a:extLst>
-              <a:ext uri="{FF2B5EF4-FFF2-40B4-BE49-F238E27FC236}">
-                <a16:creationId xmlns:a16="http://schemas.microsoft.com/office/drawing/2014/main" id="{52394E59-63EC-451B-9DDB-EB9BBD49C266}"/>
-              </a:ext>
-            </a:extLst>
-          </p:cNvPr>
-          <p:cNvSpPr txBox="1"/>
-          <p:nvPr/>
-        </p:nvSpPr>
-        <p:spPr>
-          <a:xfrm>
-            <a:off x="7210425" y="228600"/>
-            <a:ext cx="4867038" cy="1107996"/>
-          </a:xfrm>
-          <a:prstGeom prst="rect">
-            <a:avLst/>
-          </a:prstGeom>
-          <a:noFill/>
-        </p:spPr>
-        <p:txBody>
-          <a:bodyPr wrap="none" rtlCol="0">
-            <a:spAutoFit/>
-          </a:bodyPr>
-          <a:lstStyle/>
-          <a:p>
-            <a:r>
-              <a:rPr lang="en-US" sz="6600" b="1" dirty="0">
-                <a:solidFill>
-                  <a:schemeClr val="bg1"/>
-                </a:solidFill>
-                <a:latin typeface="Bahnschrift SemiCondensed" panose="020B0502040204020203" pitchFamily="34" charset="0"/>
-              </a:rPr>
-              <a:t>Zapret 14.9.9.0</a:t>
-            </a:r>
-          </a:p>
-        </p:txBody>
-      </p:sp>
-      <p:pic>
-        <p:nvPicPr>
-          <p:cNvPr id="11" name="Рисунок 10">
-            <a:extLst>
-              <a:ext uri="{FF2B5EF4-FFF2-40B4-BE49-F238E27FC236}">
-                <a16:creationId xmlns:a16="http://schemas.microsoft.com/office/drawing/2014/main" id="{EC177427-3DB8-449A-8514-4BA1F2E6644F}"/>
-              </a:ext>
-            </a:extLst>
-          </p:cNvPr>
-          <p:cNvPicPr>
-            <a:picLocks noChangeAspect="1"/>
-          </p:cNvPicPr>
-          <p:nvPr/>
-        </p:nvPicPr>
-        <p:blipFill>
-          <a:blip r:embed="rId3"/>
-          <a:stretch>
-            <a:fillRect/>
-          </a:stretch>
-        </p:blipFill>
-        <p:spPr>
-          <a:xfrm>
-            <a:off x="11093679" y="5521404"/>
-            <a:ext cx="872669" cy="1107996"/>
+            <a:off x="0" y="0"/>
+            <a:ext cx="12192000" cy="6858000"/>
           </a:xfrm>
           <a:prstGeom prst="rect">
             <a:avLst/>
@@ -3444,10 +3388,62 @@
       </p:pic>
       <p:pic>
         <p:nvPicPr>
-          <p:cNvPr id="12" name="Рисунок 11">
-            <a:extLst>
-              <a:ext uri="{FF2B5EF4-FFF2-40B4-BE49-F238E27FC236}">
-                <a16:creationId xmlns:a16="http://schemas.microsoft.com/office/drawing/2014/main" id="{418BAF15-2923-43D6-8B19-3AE1BB822681}"/>
+          <p:cNvPr id="1026" name="Picture 2">
+            <a:extLst>
+              <a:ext uri="{FF2B5EF4-FFF2-40B4-BE49-F238E27FC236}">
+                <a16:creationId xmlns:a16="http://schemas.microsoft.com/office/drawing/2014/main" id="{53DFD55C-432C-4495-A7F9-0A78701F9329}"/>
+              </a:ext>
+            </a:extLst>
+          </p:cNvPr>
+          <p:cNvPicPr>
+            <a:picLocks noChangeAspect="1" noChangeArrowheads="1"/>
+          </p:cNvPicPr>
+          <p:nvPr/>
+        </p:nvPicPr>
+        <p:blipFill rotWithShape="1">
+          <a:blip r:embed="rId3">
+            <a:extLst>
+              <a:ext uri="{28A0092B-C50C-407E-A947-70E740481C1C}">
+                <a14:useLocalDpi xmlns:a14="http://schemas.microsoft.com/office/drawing/2010/main" val="0"/>
+              </a:ext>
+            </a:extLst>
+          </a:blip>
+          <a:srcRect t="14143"/>
+          <a:stretch/>
+        </p:blipFill>
+        <p:spPr bwMode="auto">
+          <a:xfrm>
+            <a:off x="678386" y="318405"/>
+            <a:ext cx="3529207" cy="4181023"/>
+          </a:xfrm>
+          <a:prstGeom prst="rect">
+            <a:avLst/>
+          </a:prstGeom>
+          <a:noFill/>
+          <a:effectLst>
+            <a:outerShdw blurRad="558800" dist="38100" dir="5400000" algn="t" rotWithShape="0">
+              <a:prstClr val="black">
+                <a:alpha val="75000"/>
+              </a:prstClr>
+            </a:outerShdw>
+          </a:effectLst>
+          <a:extLst>
+            <a:ext uri="{909E8E84-426E-40DD-AFC4-6F175D3DCCD1}">
+              <a14:hiddenFill xmlns:a14="http://schemas.microsoft.com/office/drawing/2010/main">
+                <a:solidFill>
+                  <a:srgbClr val="FFFFFF"/>
+                </a:solidFill>
+              </a14:hiddenFill>
+            </a:ext>
+          </a:extLst>
+        </p:spPr>
+      </p:pic>
+      <p:pic>
+        <p:nvPicPr>
+          <p:cNvPr id="9" name="Рисунок 8">
+            <a:extLst>
+              <a:ext uri="{FF2B5EF4-FFF2-40B4-BE49-F238E27FC236}">
+                <a16:creationId xmlns:a16="http://schemas.microsoft.com/office/drawing/2014/main" id="{5250D567-2C50-4006-9F60-CB0E0C3ACCD4}"/>
               </a:ext>
             </a:extLst>
           </p:cNvPr>
@@ -3464,27 +3460,130 @@
         </p:blipFill>
         <p:spPr>
           <a:xfrm>
-            <a:off x="5280039" y="1760577"/>
-            <a:ext cx="5214488" cy="4410075"/>
+            <a:off x="1154574" y="-6153905"/>
+            <a:ext cx="9621593" cy="5410955"/>
           </a:xfrm>
-          <a:prstGeom prst="roundRect">
-            <a:avLst>
-              <a:gd name="adj" fmla="val 8594"/>
-            </a:avLst>
+          <a:prstGeom prst="rect">
+            <a:avLst/>
           </a:prstGeom>
-          <a:solidFill>
-            <a:srgbClr val="FFFFFF">
-              <a:shade val="85000"/>
-            </a:srgbClr>
-          </a:solidFill>
-          <a:ln>
-            <a:noFill/>
-          </a:ln>
-          <a:effectLst>
-            <a:reflection blurRad="12700" stA="38000" endPos="28000" dist="5000" dir="5400000" sy="-100000" algn="bl" rotWithShape="0"/>
-          </a:effectLst>
         </p:spPr>
       </p:pic>
+      <p:sp>
+        <p:nvSpPr>
+          <p:cNvPr id="6" name="TextBox 5">
+            <a:extLst>
+              <a:ext uri="{FF2B5EF4-FFF2-40B4-BE49-F238E27FC236}">
+                <a16:creationId xmlns:a16="http://schemas.microsoft.com/office/drawing/2014/main" id="{52394E59-63EC-451B-9DDB-EB9BBD49C266}"/>
+              </a:ext>
+            </a:extLst>
+          </p:cNvPr>
+          <p:cNvSpPr txBox="1"/>
+          <p:nvPr/>
+        </p:nvSpPr>
+        <p:spPr>
+          <a:xfrm>
+            <a:off x="5000279" y="1347821"/>
+            <a:ext cx="5945152" cy="2422855"/>
+          </a:xfrm>
+          <a:prstGeom prst="rect">
+            <a:avLst/>
+          </a:prstGeom>
+          <a:noFill/>
+        </p:spPr>
+        <p:txBody>
+          <a:bodyPr wrap="none" rtlCol="0">
+            <a:prstTxWarp prst="textPlain">
+              <a:avLst/>
+            </a:prstTxWarp>
+            <a:spAutoFit/>
+          </a:bodyPr>
+          <a:lstStyle/>
+          <a:p>
+            <a:r>
+              <a:rPr lang="ru-RU" sz="23900" kern="0" spc="-900" dirty="0">
+                <a:solidFill>
+                  <a:schemeClr val="bg1"/>
+                </a:solidFill>
+                <a:effectLst>
+                  <a:outerShdw blurRad="165100" dist="38100" dir="2700000" algn="tl">
+                    <a:srgbClr val="000000"/>
+                  </a:outerShdw>
+                </a:effectLst>
+                <a:latin typeface="TT Hoves" panose="02000803040000020004" pitchFamily="2" charset="0"/>
+              </a:rPr>
+              <a:t>15.6</a:t>
+            </a:r>
+            <a:endParaRPr lang="en-US" sz="23900" kern="0" spc="-900" dirty="0">
+              <a:solidFill>
+                <a:schemeClr val="bg1"/>
+              </a:solidFill>
+              <a:effectLst>
+                <a:outerShdw blurRad="165100" dist="38100" dir="2700000" algn="tl">
+                  <a:srgbClr val="000000"/>
+                </a:outerShdw>
+              </a:effectLst>
+              <a:latin typeface="TT Hoves" panose="02000803040000020004" pitchFamily="2" charset="0"/>
+            </a:endParaRPr>
+          </a:p>
+        </p:txBody>
+      </p:sp>
+      <p:sp>
+        <p:nvSpPr>
+          <p:cNvPr id="7" name="TextBox 6">
+            <a:extLst>
+              <a:ext uri="{FF2B5EF4-FFF2-40B4-BE49-F238E27FC236}">
+                <a16:creationId xmlns:a16="http://schemas.microsoft.com/office/drawing/2014/main" id="{8F03C907-C654-4FD0-A98D-F7D2648E6573}"/>
+              </a:ext>
+            </a:extLst>
+          </p:cNvPr>
+          <p:cNvSpPr txBox="1"/>
+          <p:nvPr/>
+        </p:nvSpPr>
+        <p:spPr>
+          <a:xfrm>
+            <a:off x="239486" y="4499428"/>
+            <a:ext cx="11713028" cy="1862048"/>
+          </a:xfrm>
+          <a:prstGeom prst="rect">
+            <a:avLst/>
+          </a:prstGeom>
+          <a:noFill/>
+        </p:spPr>
+        <p:txBody>
+          <a:bodyPr wrap="square" rtlCol="0">
+            <a:spAutoFit/>
+          </a:bodyPr>
+          <a:lstStyle/>
+          <a:p>
+            <a:pPr algn="ctr"/>
+            <a:r>
+              <a:rPr lang="ru-RU" sz="11500" kern="0" spc="-900" dirty="0">
+                <a:solidFill>
+                  <a:schemeClr val="bg1"/>
+                </a:solidFill>
+                <a:effectLst>
+                  <a:outerShdw blurRad="266700" dist="38100" dir="2700000" algn="tl">
+                    <a:srgbClr val="000000"/>
+                  </a:outerShdw>
+                </a:effectLst>
+                <a:latin typeface="TT Hoves" panose="02000803040000020004" pitchFamily="2" charset="0"/>
+              </a:rPr>
+              <a:t>ОБНОВЛЕНИЕ</a:t>
+            </a:r>
+            <a:endParaRPr lang="en-US" sz="11500" kern="0" spc="-900" dirty="0">
+              <a:solidFill>
+                <a:schemeClr val="bg1"/>
+              </a:solidFill>
+              <a:effectLst>
+                <a:outerShdw blurRad="266700" dist="38100" dir="2700000" algn="tl">
+                  <a:srgbClr val="000000"/>
+                </a:outerShdw>
+              </a:effectLst>
+              <a:latin typeface="TT Hoves" panose="02000803040000020004" pitchFamily="2" charset="0"/>
+            </a:endParaRPr>
+          </a:p>
+        </p:txBody>
+      </p:sp>
     </p:spTree>
     <p:extLst>
       <p:ext uri="{BB962C8B-B14F-4D97-AF65-F5344CB8AC3E}">

--- a/_zapret.pptx
+++ b/_zapret.pptx
@@ -261,7 +261,7 @@
           <a:p>
             <a:fld id="{9F58CDD0-BE74-468D-B734-43E300BAFBEB}" type="datetimeFigureOut">
               <a:rPr lang="en-US" smtClean="0"/>
-              <a:t>5/4/2025</a:t>
+              <a:t>6/12/2025</a:t>
             </a:fld>
             <a:endParaRPr lang="en-US"/>
           </a:p>
@@ -461,7 +461,7 @@
           <a:p>
             <a:fld id="{9F58CDD0-BE74-468D-B734-43E300BAFBEB}" type="datetimeFigureOut">
               <a:rPr lang="en-US" smtClean="0"/>
-              <a:t>5/4/2025</a:t>
+              <a:t>6/12/2025</a:t>
             </a:fld>
             <a:endParaRPr lang="en-US"/>
           </a:p>
@@ -671,7 +671,7 @@
           <a:p>
             <a:fld id="{9F58CDD0-BE74-468D-B734-43E300BAFBEB}" type="datetimeFigureOut">
               <a:rPr lang="en-US" smtClean="0"/>
-              <a:t>5/4/2025</a:t>
+              <a:t>6/12/2025</a:t>
             </a:fld>
             <a:endParaRPr lang="en-US"/>
           </a:p>
@@ -871,7 +871,7 @@
           <a:p>
             <a:fld id="{9F58CDD0-BE74-468D-B734-43E300BAFBEB}" type="datetimeFigureOut">
               <a:rPr lang="en-US" smtClean="0"/>
-              <a:t>5/4/2025</a:t>
+              <a:t>6/12/2025</a:t>
             </a:fld>
             <a:endParaRPr lang="en-US"/>
           </a:p>
@@ -1147,7 +1147,7 @@
           <a:p>
             <a:fld id="{9F58CDD0-BE74-468D-B734-43E300BAFBEB}" type="datetimeFigureOut">
               <a:rPr lang="en-US" smtClean="0"/>
-              <a:t>5/4/2025</a:t>
+              <a:t>6/12/2025</a:t>
             </a:fld>
             <a:endParaRPr lang="en-US"/>
           </a:p>
@@ -1415,7 +1415,7 @@
           <a:p>
             <a:fld id="{9F58CDD0-BE74-468D-B734-43E300BAFBEB}" type="datetimeFigureOut">
               <a:rPr lang="en-US" smtClean="0"/>
-              <a:t>5/4/2025</a:t>
+              <a:t>6/12/2025</a:t>
             </a:fld>
             <a:endParaRPr lang="en-US"/>
           </a:p>
@@ -1830,7 +1830,7 @@
           <a:p>
             <a:fld id="{9F58CDD0-BE74-468D-B734-43E300BAFBEB}" type="datetimeFigureOut">
               <a:rPr lang="en-US" smtClean="0"/>
-              <a:t>5/4/2025</a:t>
+              <a:t>6/12/2025</a:t>
             </a:fld>
             <a:endParaRPr lang="en-US"/>
           </a:p>
@@ -1972,7 +1972,7 @@
           <a:p>
             <a:fld id="{9F58CDD0-BE74-468D-B734-43E300BAFBEB}" type="datetimeFigureOut">
               <a:rPr lang="en-US" smtClean="0"/>
-              <a:t>5/4/2025</a:t>
+              <a:t>6/12/2025</a:t>
             </a:fld>
             <a:endParaRPr lang="en-US"/>
           </a:p>
@@ -2085,7 +2085,7 @@
           <a:p>
             <a:fld id="{9F58CDD0-BE74-468D-B734-43E300BAFBEB}" type="datetimeFigureOut">
               <a:rPr lang="en-US" smtClean="0"/>
-              <a:t>5/4/2025</a:t>
+              <a:t>6/12/2025</a:t>
             </a:fld>
             <a:endParaRPr lang="en-US"/>
           </a:p>
@@ -2398,7 +2398,7 @@
           <a:p>
             <a:fld id="{9F58CDD0-BE74-468D-B734-43E300BAFBEB}" type="datetimeFigureOut">
               <a:rPr lang="en-US" smtClean="0"/>
-              <a:t>5/4/2025</a:t>
+              <a:t>6/12/2025</a:t>
             </a:fld>
             <a:endParaRPr lang="en-US"/>
           </a:p>
@@ -2687,7 +2687,7 @@
           <a:p>
             <a:fld id="{9F58CDD0-BE74-468D-B734-43E300BAFBEB}" type="datetimeFigureOut">
               <a:rPr lang="en-US" smtClean="0"/>
-              <a:t>5/4/2025</a:t>
+              <a:t>6/12/2025</a:t>
             </a:fld>
             <a:endParaRPr lang="en-US"/>
           </a:p>
@@ -2930,7 +2930,7 @@
           <a:p>
             <a:fld id="{9F58CDD0-BE74-468D-B734-43E300BAFBEB}" type="datetimeFigureOut">
               <a:rPr lang="en-US" smtClean="0"/>
-              <a:t>5/4/2025</a:t>
+              <a:t>6/12/2025</a:t>
             </a:fld>
             <a:endParaRPr lang="en-US"/>
           </a:p>
@@ -3511,19 +3511,50 @@
                 </a:effectLst>
                 <a:latin typeface="TT Hoves" panose="02000803040000020004" pitchFamily="2" charset="0"/>
               </a:rPr>
-              <a:t>15.6</a:t>
-            </a:r>
-            <a:endParaRPr lang="en-US" sz="23900" kern="0" spc="-900" dirty="0">
-              <a:solidFill>
-                <a:schemeClr val="bg1"/>
-              </a:solidFill>
-              <a:effectLst>
-                <a:outerShdw blurRad="165100" dist="38100" dir="2700000" algn="tl">
-                  <a:srgbClr val="000000"/>
-                </a:outerShdw>
-              </a:effectLst>
-              <a:latin typeface="TT Hoves" panose="02000803040000020004" pitchFamily="2" charset="0"/>
-            </a:endParaRPr>
+              <a:t>1</a:t>
+            </a:r>
+            <a:r>
+              <a:rPr lang="en-US" sz="23900" kern="0" spc="-900" dirty="0">
+                <a:solidFill>
+                  <a:schemeClr val="bg1"/>
+                </a:solidFill>
+                <a:effectLst>
+                  <a:outerShdw blurRad="165100" dist="38100" dir="2700000" algn="tl">
+                    <a:srgbClr val="000000"/>
+                  </a:outerShdw>
+                </a:effectLst>
+                <a:latin typeface="TT Hoves" panose="02000803040000020004" pitchFamily="2" charset="0"/>
+              </a:rPr>
+              <a:t>6</a:t>
+            </a:r>
+            <a:r>
+              <a:rPr lang="ru-RU" sz="23900" kern="0" spc="-900" dirty="0">
+                <a:solidFill>
+                  <a:schemeClr val="bg1"/>
+                </a:solidFill>
+                <a:effectLst>
+                  <a:outerShdw blurRad="165100" dist="38100" dir="2700000" algn="tl">
+                    <a:srgbClr val="000000"/>
+                  </a:outerShdw>
+                </a:effectLst>
+                <a:latin typeface="TT Hoves" panose="02000803040000020004" pitchFamily="2" charset="0"/>
+              </a:rPr>
+              <a:t>.</a:t>
+            </a:r>
+            <a:r>
+              <a:rPr lang="en-US" sz="23900" kern="0" spc="-900" dirty="0">
+                <a:solidFill>
+                  <a:schemeClr val="bg1"/>
+                </a:solidFill>
+                <a:effectLst>
+                  <a:outerShdw blurRad="165100" dist="38100" dir="2700000" algn="tl">
+                    <a:srgbClr val="000000"/>
+                  </a:outerShdw>
+                </a:effectLst>
+                <a:latin typeface="TT Hoves" panose="02000803040000020004" pitchFamily="2" charset="0"/>
+              </a:rPr>
+              <a:t>0</a:t>
+            </a:r>
           </a:p>
         </p:txBody>
       </p:sp>
@@ -3542,7 +3573,7 @@
         <p:spPr>
           <a:xfrm>
             <a:off x="239486" y="4499428"/>
-            <a:ext cx="11713028" cy="1862048"/>
+            <a:ext cx="11713028" cy="1569660"/>
           </a:xfrm>
           <a:prstGeom prst="rect">
             <a:avLst/>
@@ -3557,7 +3588,7 @@
           <a:p>
             <a:pPr algn="ctr"/>
             <a:r>
-              <a:rPr lang="ru-RU" sz="11500" kern="0" spc="-900" dirty="0">
+              <a:rPr lang="ru-RU" sz="9600" kern="0" spc="-900" dirty="0">
                 <a:solidFill>
                   <a:schemeClr val="bg1"/>
                 </a:solidFill>
@@ -3568,9 +3599,9 @@
                 </a:effectLst>
                 <a:latin typeface="TT Hoves" panose="02000803040000020004" pitchFamily="2" charset="0"/>
               </a:rPr>
-              <a:t>ОБНОВЛЕНИЕ</a:t>
-            </a:r>
-            <a:endParaRPr lang="en-US" sz="11500" kern="0" spc="-900" dirty="0">
+              <a:t>НОВЫЕ СТРАТЕГИИ</a:t>
+            </a:r>
+            <a:endParaRPr lang="en-US" sz="9600" kern="0" spc="-900" dirty="0">
               <a:solidFill>
                 <a:schemeClr val="bg1"/>
               </a:solidFill>
